--- a/Group-3_Presentation.pptx
+++ b/Group-3_Presentation.pptx
@@ -147,7 +147,7 @@
 <file path=ppt/revisionInfo.xml><?xml version="1.0" encoding="utf-8"?>
 <p1510:revInfo xmlns:a="http://schemas.openxmlformats.org/drawingml/2006/main" xmlns:r="http://schemas.openxmlformats.org/officeDocument/2006/relationships" xmlns:p1510="http://schemas.microsoft.com/office/powerpoint/2015/10/main">
   <p1510:revLst>
-    <p1510:client id="{B5A70CFA-03D4-4D05-A3A2-334B5A514D35}" v="9" dt="2020-03-21T11:06:24.012"/>
+    <p1510:client id="{B5A70CFA-03D4-4D05-A3A2-334B5A514D35}" v="16" dt="2020-03-21T22:23:22.820"/>
   </p1510:revLst>
 </p1510:revInfo>
 </file>
@@ -157,7 +157,7 @@
   <pc:docChgLst>
     <pc:chgData name="Maria Soto" userId="121d9dac75781140" providerId="LiveId" clId="{B5A70CFA-03D4-4D05-A3A2-334B5A514D35}"/>
     <pc:docChg chg="undo custSel modSld">
-      <pc:chgData name="Maria Soto" userId="121d9dac75781140" providerId="LiveId" clId="{B5A70CFA-03D4-4D05-A3A2-334B5A514D35}" dt="2020-03-21T21:00:02.279" v="770" actId="14100"/>
+      <pc:chgData name="Maria Soto" userId="121d9dac75781140" providerId="LiveId" clId="{B5A70CFA-03D4-4D05-A3A2-334B5A514D35}" dt="2020-03-21T22:23:49.781" v="791" actId="1035"/>
       <pc:docMkLst>
         <pc:docMk/>
       </pc:docMkLst>
@@ -185,13 +185,13 @@
         </pc:graphicFrameChg>
       </pc:sldChg>
       <pc:sldChg chg="modSp">
-        <pc:chgData name="Maria Soto" userId="121d9dac75781140" providerId="LiveId" clId="{B5A70CFA-03D4-4D05-A3A2-334B5A514D35}" dt="2020-03-21T14:05:49.411" v="769" actId="20577"/>
+        <pc:chgData name="Maria Soto" userId="121d9dac75781140" providerId="LiveId" clId="{B5A70CFA-03D4-4D05-A3A2-334B5A514D35}" dt="2020-03-21T22:23:49.781" v="791" actId="1035"/>
         <pc:sldMkLst>
           <pc:docMk/>
           <pc:sldMk cId="1062139051" sldId="275"/>
         </pc:sldMkLst>
         <pc:spChg chg="mod">
-          <ac:chgData name="Maria Soto" userId="121d9dac75781140" providerId="LiveId" clId="{B5A70CFA-03D4-4D05-A3A2-334B5A514D35}" dt="2020-03-21T14:05:49.411" v="769" actId="20577"/>
+          <ac:chgData name="Maria Soto" userId="121d9dac75781140" providerId="LiveId" clId="{B5A70CFA-03D4-4D05-A3A2-334B5A514D35}" dt="2020-03-21T22:23:49.781" v="791" actId="1035"/>
           <ac:spMkLst>
             <pc:docMk/>
             <pc:sldMk cId="1062139051" sldId="275"/>
@@ -13356,8 +13356,8 @@
         </p:nvSpPr>
         <p:spPr>
           <a:xfrm>
-            <a:off x="1109662" y="1971675"/>
-            <a:ext cx="9972675" cy="4662815"/>
+            <a:off x="1109662" y="1880235"/>
+            <a:ext cx="9972675" cy="5078313"/>
           </a:xfrm>
           <a:prstGeom prst="rect">
             <a:avLst/>
@@ -13369,82 +13369,58 @@
           </a:bodyPr>
           <a:lstStyle/>
           <a:p>
-            <a:pPr marL="342900" indent="-342900">
-              <a:buFont typeface="Arial" panose="020B0604020202020204" pitchFamily="34" charset="0"/>
-              <a:buChar char="•"/>
+            <a:pPr>
+              <a:tabLst>
+                <a:tab pos="396875" algn="l"/>
+              </a:tabLst>
             </a:pPr>
             <a:r>
               <a:rPr lang="en-US" sz="2700" dirty="0">
                 <a:latin typeface="Century Gothic" panose="020B0502020202020204" pitchFamily="34" charset="0"/>
               </a:rPr>
-              <a:t>The flight data shows a cyclical behavior throughout the years</a:t>
-            </a:r>
-          </a:p>
-          <a:p>
-            <a:pPr marL="342900" indent="-342900">
-              <a:buFont typeface="Arial" panose="020B0604020202020204" pitchFamily="34" charset="0"/>
-              <a:buChar char="•"/>
+              <a:t>•	The flight data shows a cyclical behavior throughout the years</a:t>
+            </a:r>
+          </a:p>
+          <a:p>
+            <a:pPr>
+              <a:tabLst>
+                <a:tab pos="396875" algn="l"/>
+              </a:tabLst>
             </a:pPr>
             <a:r>
               <a:rPr lang="en-US" sz="2700" dirty="0">
                 <a:latin typeface="Century Gothic" panose="020B0502020202020204" pitchFamily="34" charset="0"/>
               </a:rPr>
-              <a:t>There is not a significant correlation between flight and epidemic datasets</a:t>
-            </a:r>
-          </a:p>
-          <a:p>
-            <a:pPr marL="342900" indent="-342900">
-              <a:buFont typeface="Arial" panose="020B0604020202020204" pitchFamily="34" charset="0"/>
-              <a:buChar char="•"/>
+              <a:t>•	There is not a statistically significant correlation between flight and epidemic datasets</a:t>
+            </a:r>
+          </a:p>
+          <a:p>
+            <a:pPr>
+              <a:tabLst>
+                <a:tab pos="396875" algn="l"/>
+              </a:tabLst>
             </a:pPr>
             <a:r>
               <a:rPr lang="en-US" sz="2700" dirty="0">
                 <a:latin typeface="Century Gothic" panose="020B0502020202020204" pitchFamily="34" charset="0"/>
               </a:rPr>
-              <a:t>Seems to be an impact of epidemics on flight frequency. However, there is uncertainty in this regard</a:t>
-            </a:r>
-          </a:p>
-          <a:p>
-            <a:pPr marL="342900" indent="-342900">
-              <a:buFont typeface="Arial" panose="020B0604020202020204" pitchFamily="34" charset="0"/>
-              <a:buChar char="•"/>
+              <a:t>•	Higher outbreaks seem to negatively impact flight frequency</a:t>
+            </a:r>
+          </a:p>
+          <a:p>
+            <a:pPr>
+              <a:tabLst>
+                <a:tab pos="396875" algn="l"/>
+              </a:tabLst>
             </a:pPr>
             <a:r>
               <a:rPr lang="en-US" sz="2700" dirty="0">
                 <a:latin typeface="Century Gothic" panose="020B0502020202020204" pitchFamily="34" charset="0"/>
               </a:rPr>
-              <a:t>Higher </a:t>
-            </a:r>
-            <a:r>
-              <a:rPr lang="en-US" sz="2700">
-                <a:latin typeface="Century Gothic" panose="020B0502020202020204" pitchFamily="34" charset="0"/>
-              </a:rPr>
-              <a:t>outbreaks of SARS</a:t>
-            </a:r>
-            <a:r>
-              <a:rPr lang="en-US" sz="2700" dirty="0">
-                <a:latin typeface="Century Gothic" panose="020B0502020202020204" pitchFamily="34" charset="0"/>
-              </a:rPr>
-              <a:t>, H1N1 and MERS seem to negatively impact flight frequency</a:t>
-            </a:r>
-          </a:p>
-          <a:p>
-            <a:pPr marL="342900" indent="-342900">
-              <a:buFont typeface="Arial" panose="020B0604020202020204" pitchFamily="34" charset="0"/>
-              <a:buChar char="•"/>
-            </a:pPr>
-            <a:r>
-              <a:rPr lang="en-US" sz="2700" dirty="0">
-                <a:latin typeface="Century Gothic" panose="020B0502020202020204" pitchFamily="34" charset="0"/>
-              </a:rPr>
-              <a:t>Ebola and flight data do not show a consistent response</a:t>
-            </a:r>
-          </a:p>
-          <a:p>
-            <a:pPr marL="342900" indent="-342900">
-              <a:buFont typeface="Arial" panose="020B0604020202020204" pitchFamily="34" charset="0"/>
-              <a:buChar char="•"/>
-            </a:pPr>
+              <a:t>•	There seems to exist an impact of epidemics on flight frequency. However, there is uncertainty in this regard since we do not have sufficient data to backup this correlation</a:t>
+            </a:r>
+          </a:p>
+          <a:p>
             <a:endParaRPr lang="en-US" sz="2700" dirty="0">
               <a:latin typeface="Century Gothic" panose="020B0502020202020204" pitchFamily="34" charset="0"/>
             </a:endParaRPr>
